--- a/Programmation structurée/P5 - Type de base, Langage Groupe 2/A52 - Présentations/Yassine El atlassi/Les types de données de langage c.pptx
+++ b/Programmation structurée/P5 - Type de base, Langage Groupe 2/A52 - Présentations/Yassine El atlassi/Les types de données de langage c.pptx
@@ -11,6 +11,10 @@
     <p:sldId id="259" r:id="rId5"/>
     <p:sldId id="260" r:id="rId6"/>
     <p:sldId id="261" r:id="rId7"/>
+    <p:sldId id="262" r:id="rId8"/>
+    <p:sldId id="263" r:id="rId9"/>
+    <p:sldId id="264" r:id="rId10"/>
+    <p:sldId id="265" r:id="rId11"/>
   </p:sldIdLst>
   <p:sldSz cx="12192000" cy="6858000"/>
   <p:notesSz cx="6858000" cy="9144000"/>
@@ -109,6 +113,11 @@
       </a:defRPr>
     </a:lvl9pPr>
   </p:defaultTextStyle>
+  <p:extLst>
+    <p:ext uri="{EFAFB233-063F-42B5-8137-9DF3F51BA10A}">
+      <p15:sldGuideLst xmlns:p15="http://schemas.microsoft.com/office/powerpoint/2012/main"/>
+    </p:ext>
+  </p:extLst>
 </p:presentation>
 </file>
 
@@ -834,7 +843,7 @@
           <a:p>
             <a:fld id="{C1BD3D69-3ED0-4B9A-B4A3-4971FD65F41D}" type="datetimeFigureOut">
               <a:rPr lang="fr-FR" smtClean="0"/>
-              <a:t>19/09/2019</a:t>
+              <a:t>21/09/2019</a:t>
             </a:fld>
             <a:endParaRPr lang="fr-FR"/>
           </a:p>
@@ -1085,7 +1094,7 @@
           <a:p>
             <a:fld id="{C1BD3D69-3ED0-4B9A-B4A3-4971FD65F41D}" type="datetimeFigureOut">
               <a:rPr lang="fr-FR" smtClean="0"/>
-              <a:t>19/09/2019</a:t>
+              <a:t>21/09/2019</a:t>
             </a:fld>
             <a:endParaRPr lang="fr-FR"/>
           </a:p>
@@ -1399,7 +1408,7 @@
           <a:p>
             <a:fld id="{C1BD3D69-3ED0-4B9A-B4A3-4971FD65F41D}" type="datetimeFigureOut">
               <a:rPr lang="fr-FR" smtClean="0"/>
-              <a:t>19/09/2019</a:t>
+              <a:t>21/09/2019</a:t>
             </a:fld>
             <a:endParaRPr lang="fr-FR"/>
           </a:p>
@@ -1740,7 +1749,7 @@
           <a:p>
             <a:fld id="{C1BD3D69-3ED0-4B9A-B4A3-4971FD65F41D}" type="datetimeFigureOut">
               <a:rPr lang="fr-FR" smtClean="0"/>
-              <a:t>19/09/2019</a:t>
+              <a:t>21/09/2019</a:t>
             </a:fld>
             <a:endParaRPr lang="fr-FR"/>
           </a:p>
@@ -2054,7 +2063,7 @@
           <a:p>
             <a:fld id="{C1BD3D69-3ED0-4B9A-B4A3-4971FD65F41D}" type="datetimeFigureOut">
               <a:rPr lang="fr-FR" smtClean="0"/>
-              <a:t>19/09/2019</a:t>
+              <a:t>21/09/2019</a:t>
             </a:fld>
             <a:endParaRPr lang="fr-FR"/>
           </a:p>
@@ -2447,7 +2456,7 @@
           <a:p>
             <a:fld id="{C1BD3D69-3ED0-4B9A-B4A3-4971FD65F41D}" type="datetimeFigureOut">
               <a:rPr lang="fr-FR" smtClean="0"/>
-              <a:t>19/09/2019</a:t>
+              <a:t>21/09/2019</a:t>
             </a:fld>
             <a:endParaRPr lang="fr-FR"/>
           </a:p>
@@ -2617,7 +2626,7 @@
           <a:p>
             <a:fld id="{C1BD3D69-3ED0-4B9A-B4A3-4971FD65F41D}" type="datetimeFigureOut">
               <a:rPr lang="fr-FR" smtClean="0"/>
-              <a:t>19/09/2019</a:t>
+              <a:t>21/09/2019</a:t>
             </a:fld>
             <a:endParaRPr lang="fr-FR"/>
           </a:p>
@@ -2797,7 +2806,7 @@
           <a:p>
             <a:fld id="{C1BD3D69-3ED0-4B9A-B4A3-4971FD65F41D}" type="datetimeFigureOut">
               <a:rPr lang="fr-FR" smtClean="0"/>
-              <a:t>19/09/2019</a:t>
+              <a:t>21/09/2019</a:t>
             </a:fld>
             <a:endParaRPr lang="fr-FR"/>
           </a:p>
@@ -2973,7 +2982,7 @@
           <a:p>
             <a:fld id="{C1BD3D69-3ED0-4B9A-B4A3-4971FD65F41D}" type="datetimeFigureOut">
               <a:rPr lang="fr-FR" smtClean="0"/>
-              <a:t>19/09/2019</a:t>
+              <a:t>21/09/2019</a:t>
             </a:fld>
             <a:endParaRPr lang="fr-FR"/>
           </a:p>
@@ -3220,7 +3229,7 @@
           <a:p>
             <a:fld id="{C1BD3D69-3ED0-4B9A-B4A3-4971FD65F41D}" type="datetimeFigureOut">
               <a:rPr lang="fr-FR" smtClean="0"/>
-              <a:t>19/09/2019</a:t>
+              <a:t>21/09/2019</a:t>
             </a:fld>
             <a:endParaRPr lang="fr-FR"/>
           </a:p>
@@ -3452,7 +3461,7 @@
           <a:p>
             <a:fld id="{C1BD3D69-3ED0-4B9A-B4A3-4971FD65F41D}" type="datetimeFigureOut">
               <a:rPr lang="fr-FR" smtClean="0"/>
-              <a:t>19/09/2019</a:t>
+              <a:t>21/09/2019</a:t>
             </a:fld>
             <a:endParaRPr lang="fr-FR"/>
           </a:p>
@@ -3826,7 +3835,7 @@
           <a:p>
             <a:fld id="{C1BD3D69-3ED0-4B9A-B4A3-4971FD65F41D}" type="datetimeFigureOut">
               <a:rPr lang="fr-FR" smtClean="0"/>
-              <a:t>19/09/2019</a:t>
+              <a:t>21/09/2019</a:t>
             </a:fld>
             <a:endParaRPr lang="fr-FR"/>
           </a:p>
@@ -3949,7 +3958,7 @@
           <a:p>
             <a:fld id="{C1BD3D69-3ED0-4B9A-B4A3-4971FD65F41D}" type="datetimeFigureOut">
               <a:rPr lang="fr-FR" smtClean="0"/>
-              <a:t>19/09/2019</a:t>
+              <a:t>21/09/2019</a:t>
             </a:fld>
             <a:endParaRPr lang="fr-FR"/>
           </a:p>
@@ -4044,7 +4053,7 @@
           <a:p>
             <a:fld id="{C1BD3D69-3ED0-4B9A-B4A3-4971FD65F41D}" type="datetimeFigureOut">
               <a:rPr lang="fr-FR" smtClean="0"/>
-              <a:t>19/09/2019</a:t>
+              <a:t>21/09/2019</a:t>
             </a:fld>
             <a:endParaRPr lang="fr-FR"/>
           </a:p>
@@ -4299,7 +4308,7 @@
           <a:p>
             <a:fld id="{C1BD3D69-3ED0-4B9A-B4A3-4971FD65F41D}" type="datetimeFigureOut">
               <a:rPr lang="fr-FR" smtClean="0"/>
-              <a:t>19/09/2019</a:t>
+              <a:t>21/09/2019</a:t>
             </a:fld>
             <a:endParaRPr lang="fr-FR"/>
           </a:p>
@@ -4562,7 +4571,7 @@
           <a:p>
             <a:fld id="{C1BD3D69-3ED0-4B9A-B4A3-4971FD65F41D}" type="datetimeFigureOut">
               <a:rPr lang="fr-FR" smtClean="0"/>
-              <a:t>19/09/2019</a:t>
+              <a:t>21/09/2019</a:t>
             </a:fld>
             <a:endParaRPr lang="fr-FR"/>
           </a:p>
@@ -5305,7 +5314,7 @@
           <a:p>
             <a:fld id="{C1BD3D69-3ED0-4B9A-B4A3-4971FD65F41D}" type="datetimeFigureOut">
               <a:rPr lang="fr-FR" smtClean="0"/>
-              <a:t>19/09/2019</a:t>
+              <a:t>21/09/2019</a:t>
             </a:fld>
             <a:endParaRPr lang="fr-FR"/>
           </a:p>
@@ -5939,7 +5948,23 @@
             </a:r>
             <a:r>
               <a:rPr lang="fr-FR" sz="2400" b="1" dirty="0"/>
-              <a:t>chaque variable, chaque constante et chaque expression, a un type défini à la compilation. </a:t>
+              <a:t>chaque variable, chaque constante et chaque expression</a:t>
+            </a:r>
+            <a:r>
+              <a:rPr lang="fr-FR" sz="2400" b="1"/>
+              <a:t>, </a:t>
+            </a:r>
+            <a:r>
+              <a:rPr lang="fr-FR" sz="2400" b="1" smtClean="0"/>
+              <a:t>ont </a:t>
+            </a:r>
+            <a:r>
+              <a:rPr lang="fr-FR" sz="2400" b="1" smtClean="0"/>
+              <a:t>un </a:t>
+            </a:r>
+            <a:r>
+              <a:rPr lang="fr-FR" sz="2400" b="1" dirty="0"/>
+              <a:t>type défini à la compilation. </a:t>
             </a:r>
           </a:p>
         </p:txBody>
@@ -5948,6 +5973,191 @@
     <p:extLst>
       <p:ext uri="{BB962C8B-B14F-4D97-AF65-F5344CB8AC3E}">
         <p14:creationId xmlns:p14="http://schemas.microsoft.com/office/powerpoint/2010/main" val="1597545576"/>
+      </p:ext>
+    </p:extLst>
+  </p:cSld>
+  <p:clrMapOvr>
+    <a:masterClrMapping/>
+  </p:clrMapOvr>
+  <p:timing>
+    <p:tnLst>
+      <p:par>
+        <p:cTn id="1" dur="indefinite" restart="never" nodeType="tmRoot"/>
+      </p:par>
+    </p:tnLst>
+  </p:timing>
+</p:sld>
+</file>
+
+<file path=ppt/slides/slide10.xml><?xml version="1.0" encoding="utf-8"?>
+<p:sld xmlns:a="http://schemas.openxmlformats.org/drawingml/2006/main" xmlns:r="http://schemas.openxmlformats.org/officeDocument/2006/relationships" xmlns:p="http://schemas.openxmlformats.org/presentationml/2006/main">
+  <p:cSld>
+    <p:spTree>
+      <p:nvGrpSpPr>
+        <p:cNvPr id="1" name=""/>
+        <p:cNvGrpSpPr/>
+        <p:nvPr/>
+      </p:nvGrpSpPr>
+      <p:grpSpPr>
+        <a:xfrm>
+          <a:off x="0" y="0"/>
+          <a:ext cx="0" cy="0"/>
+          <a:chOff x="0" y="0"/>
+          <a:chExt cx="0" cy="0"/>
+        </a:xfrm>
+      </p:grpSpPr>
+      <p:sp>
+        <p:nvSpPr>
+          <p:cNvPr id="2" name="Titre 1"/>
+          <p:cNvSpPr>
+            <a:spLocks noGrp="1"/>
+          </p:cNvSpPr>
+          <p:nvPr>
+            <p:ph type="title"/>
+          </p:nvPr>
+        </p:nvSpPr>
+        <p:spPr/>
+        <p:txBody>
+          <a:bodyPr>
+            <a:normAutofit/>
+          </a:bodyPr>
+          <a:lstStyle/>
+          <a:p>
+            <a:r>
+              <a:rPr lang="fr-FR" sz="4000" b="1" u="sng" dirty="0" smtClean="0">
+                <a:effectLst>
+                  <a:outerShdw blurRad="38100" dist="38100" dir="2700000" algn="tl">
+                    <a:srgbClr val="000000">
+                      <a:alpha val="43137"/>
+                    </a:srgbClr>
+                  </a:outerShdw>
+                </a:effectLst>
+              </a:rPr>
+              <a:t>Exemple L</a:t>
+            </a:r>
+            <a:r>
+              <a:rPr lang="es-419" sz="4000" b="1" u="sng" dirty="0" smtClean="0">
+                <a:effectLst>
+                  <a:outerShdw blurRad="38100" dist="38100" dir="2700000" algn="tl">
+                    <a:srgbClr val="000000">
+                      <a:alpha val="43137"/>
+                    </a:srgbClr>
+                  </a:outerShdw>
+                </a:effectLst>
+              </a:rPr>
+              <a:t>ong double:</a:t>
+            </a:r>
+            <a:endParaRPr lang="fr-FR" sz="4000" b="1" u="sng" dirty="0">
+              <a:effectLst>
+                <a:outerShdw blurRad="38100" dist="38100" dir="2700000" algn="tl">
+                  <a:srgbClr val="000000">
+                    <a:alpha val="43137"/>
+                  </a:srgbClr>
+                </a:outerShdw>
+              </a:effectLst>
+            </a:endParaRPr>
+          </a:p>
+        </p:txBody>
+      </p:sp>
+      <p:pic>
+        <p:nvPicPr>
+          <p:cNvPr id="4" name="Espace réservé du contenu 3"/>
+          <p:cNvPicPr>
+            <a:picLocks noGrp="1" noChangeAspect="1"/>
+          </p:cNvPicPr>
+          <p:nvPr>
+            <p:ph idx="1"/>
+          </p:nvPr>
+        </p:nvPicPr>
+        <p:blipFill>
+          <a:blip r:embed="rId2">
+            <a:extLst>
+              <a:ext uri="{28A0092B-C50C-407E-A947-70E740481C1C}">
+                <a14:useLocalDpi xmlns:a14="http://schemas.microsoft.com/office/drawing/2010/main" val="0"/>
+              </a:ext>
+            </a:extLst>
+          </a:blip>
+          <a:stretch>
+            <a:fillRect/>
+          </a:stretch>
+        </p:blipFill>
+        <p:spPr>
+          <a:xfrm>
+            <a:off x="677334" y="1826606"/>
+            <a:ext cx="8596312" cy="3711913"/>
+          </a:xfrm>
+          <a:prstGeom prst="rect">
+            <a:avLst/>
+          </a:prstGeom>
+          <a:ln w="38100" cap="sq">
+            <a:solidFill>
+              <a:schemeClr val="accent1">
+                <a:lumMod val="75000"/>
+              </a:schemeClr>
+            </a:solidFill>
+            <a:prstDash val="solid"/>
+            <a:miter lim="800000"/>
+          </a:ln>
+          <a:effectLst>
+            <a:outerShdw blurRad="50800" dist="38100" dir="2700000" algn="tl" rotWithShape="0">
+              <a:srgbClr val="000000">
+                <a:alpha val="43000"/>
+              </a:srgbClr>
+            </a:outerShdw>
+          </a:effectLst>
+        </p:spPr>
+      </p:pic>
+      <p:sp>
+        <p:nvSpPr>
+          <p:cNvPr id="5" name="ZoneTexte 4"/>
+          <p:cNvSpPr txBox="1"/>
+          <p:nvPr/>
+        </p:nvSpPr>
+        <p:spPr>
+          <a:xfrm>
+            <a:off x="999858" y="5751319"/>
+            <a:ext cx="2427005" cy="369332"/>
+          </a:xfrm>
+          <a:prstGeom prst="rect">
+            <a:avLst/>
+          </a:prstGeom>
+        </p:spPr>
+        <p:style>
+          <a:lnRef idx="2">
+            <a:schemeClr val="dk1"/>
+          </a:lnRef>
+          <a:fillRef idx="1">
+            <a:schemeClr val="lt1"/>
+          </a:fillRef>
+          <a:effectRef idx="0">
+            <a:schemeClr val="dk1"/>
+          </a:effectRef>
+          <a:fontRef idx="minor">
+            <a:schemeClr val="dk1"/>
+          </a:fontRef>
+        </p:style>
+        <p:txBody>
+          <a:bodyPr wrap="square" rtlCol="0">
+            <a:spAutoFit/>
+          </a:bodyPr>
+          <a:lstStyle/>
+          <a:p>
+            <a:r>
+              <a:rPr lang="fr-FR" dirty="0" smtClean="0"/>
+              <a:t>F</a:t>
+            </a:r>
+            <a:r>
+              <a:rPr lang="es-419" dirty="0" smtClean="0"/>
+              <a:t>rom: stackoverflow</a:t>
+            </a:r>
+            <a:endParaRPr lang="fr-FR" dirty="0"/>
+          </a:p>
+        </p:txBody>
+      </p:sp>
+    </p:spTree>
+    <p:extLst>
+      <p:ext uri="{BB962C8B-B14F-4D97-AF65-F5344CB8AC3E}">
+        <p14:creationId xmlns:p14="http://schemas.microsoft.com/office/powerpoint/2010/main" val="2496204701"/>
       </p:ext>
     </p:extLst>
   </p:cSld>
@@ -6924,7 +7134,7 @@
             <p:ph idx="1"/>
           </p:nvPr>
         </p:nvPicPr>
-        <p:blipFill>
+        <p:blipFill rotWithShape="1">
           <a:blip r:embed="rId2">
             <a:extLst>
               <a:ext uri="{28A0092B-C50C-407E-A947-70E740481C1C}">
@@ -6932,21 +7142,22 @@
               </a:ext>
             </a:extLst>
           </a:blip>
-          <a:stretch>
-            <a:fillRect/>
-          </a:stretch>
+          <a:srcRect r="59123"/>
+          <a:stretch/>
         </p:blipFill>
         <p:spPr>
           <a:xfrm>
-            <a:off x="234340" y="2480648"/>
-            <a:ext cx="9482655" cy="2142626"/>
+            <a:off x="1005478" y="1617522"/>
+            <a:ext cx="6597157" cy="3646687"/>
           </a:xfrm>
           <a:prstGeom prst="rect">
             <a:avLst/>
           </a:prstGeom>
           <a:ln w="38100" cap="sq">
             <a:solidFill>
-              <a:srgbClr val="FFC000"/>
+              <a:schemeClr val="accent1">
+                <a:lumMod val="75000"/>
+              </a:schemeClr>
             </a:solidFill>
             <a:prstDash val="solid"/>
             <a:miter lim="800000"/>
@@ -6964,6 +7175,408 @@
     <p:extLst>
       <p:ext uri="{BB962C8B-B14F-4D97-AF65-F5344CB8AC3E}">
         <p14:creationId xmlns:p14="http://schemas.microsoft.com/office/powerpoint/2010/main" val="1746762839"/>
+      </p:ext>
+    </p:extLst>
+  </p:cSld>
+  <p:clrMapOvr>
+    <a:masterClrMapping/>
+  </p:clrMapOvr>
+  <p:timing>
+    <p:tnLst>
+      <p:par>
+        <p:cTn id="1" dur="indefinite" restart="never" nodeType="tmRoot"/>
+      </p:par>
+    </p:tnLst>
+  </p:timing>
+</p:sld>
+</file>
+
+<file path=ppt/slides/slide7.xml><?xml version="1.0" encoding="utf-8"?>
+<p:sld xmlns:a="http://schemas.openxmlformats.org/drawingml/2006/main" xmlns:r="http://schemas.openxmlformats.org/officeDocument/2006/relationships" xmlns:p="http://schemas.openxmlformats.org/presentationml/2006/main">
+  <p:cSld>
+    <p:spTree>
+      <p:nvGrpSpPr>
+        <p:cNvPr id="1" name=""/>
+        <p:cNvGrpSpPr/>
+        <p:nvPr/>
+      </p:nvGrpSpPr>
+      <p:grpSpPr>
+        <a:xfrm>
+          <a:off x="0" y="0"/>
+          <a:ext cx="0" cy="0"/>
+          <a:chOff x="0" y="0"/>
+          <a:chExt cx="0" cy="0"/>
+        </a:xfrm>
+      </p:grpSpPr>
+      <p:sp>
+        <p:nvSpPr>
+          <p:cNvPr id="2" name="Titre 1"/>
+          <p:cNvSpPr>
+            <a:spLocks noGrp="1"/>
+          </p:cNvSpPr>
+          <p:nvPr>
+            <p:ph type="title"/>
+          </p:nvPr>
+        </p:nvSpPr>
+        <p:spPr/>
+        <p:txBody>
+          <a:bodyPr>
+            <a:normAutofit/>
+          </a:bodyPr>
+          <a:lstStyle/>
+          <a:p>
+            <a:r>
+              <a:rPr lang="es-419" sz="4000" b="1" u="sng" dirty="0" smtClean="0">
+                <a:effectLst>
+                  <a:outerShdw blurRad="38100" dist="38100" dir="2700000" algn="tl">
+                    <a:srgbClr val="000000">
+                      <a:alpha val="43137"/>
+                    </a:srgbClr>
+                  </a:outerShdw>
+                </a:effectLst>
+              </a:rPr>
+              <a:t>Exemple char:</a:t>
+            </a:r>
+            <a:endParaRPr lang="fr-FR" sz="4000" b="1" u="sng" dirty="0">
+              <a:effectLst>
+                <a:outerShdw blurRad="38100" dist="38100" dir="2700000" algn="tl">
+                  <a:srgbClr val="000000">
+                    <a:alpha val="43137"/>
+                  </a:srgbClr>
+                </a:outerShdw>
+              </a:effectLst>
+            </a:endParaRPr>
+          </a:p>
+        </p:txBody>
+      </p:sp>
+      <p:pic>
+        <p:nvPicPr>
+          <p:cNvPr id="6" name="Espace réservé du contenu 5"/>
+          <p:cNvPicPr>
+            <a:picLocks noGrp="1" noChangeAspect="1"/>
+          </p:cNvPicPr>
+          <p:nvPr>
+            <p:ph idx="1"/>
+          </p:nvPr>
+        </p:nvPicPr>
+        <p:blipFill>
+          <a:blip r:embed="rId2">
+            <a:extLst>
+              <a:ext uri="{28A0092B-C50C-407E-A947-70E740481C1C}">
+                <a14:useLocalDpi xmlns:a14="http://schemas.microsoft.com/office/drawing/2010/main" val="0"/>
+              </a:ext>
+            </a:extLst>
+          </a:blip>
+          <a:stretch>
+            <a:fillRect/>
+          </a:stretch>
+        </p:blipFill>
+        <p:spPr>
+          <a:xfrm>
+            <a:off x="439286" y="1502561"/>
+            <a:ext cx="8834716" cy="4462403"/>
+          </a:xfrm>
+          <a:prstGeom prst="rect">
+            <a:avLst/>
+          </a:prstGeom>
+          <a:ln w="38100" cap="sq">
+            <a:solidFill>
+              <a:schemeClr val="accent1">
+                <a:lumMod val="75000"/>
+              </a:schemeClr>
+            </a:solidFill>
+            <a:prstDash val="solid"/>
+            <a:miter lim="800000"/>
+          </a:ln>
+          <a:effectLst>
+            <a:outerShdw blurRad="50800" dist="38100" dir="2700000" algn="tl" rotWithShape="0">
+              <a:srgbClr val="000000">
+                <a:alpha val="43000"/>
+              </a:srgbClr>
+            </a:outerShdw>
+          </a:effectLst>
+        </p:spPr>
+      </p:pic>
+    </p:spTree>
+    <p:extLst>
+      <p:ext uri="{BB962C8B-B14F-4D97-AF65-F5344CB8AC3E}">
+        <p14:creationId xmlns:p14="http://schemas.microsoft.com/office/powerpoint/2010/main" val="4240111727"/>
+      </p:ext>
+    </p:extLst>
+  </p:cSld>
+  <p:clrMapOvr>
+    <a:masterClrMapping/>
+  </p:clrMapOvr>
+  <p:timing>
+    <p:tnLst>
+      <p:par>
+        <p:cTn id="1" dur="indefinite" restart="never" nodeType="tmRoot"/>
+      </p:par>
+    </p:tnLst>
+  </p:timing>
+</p:sld>
+</file>
+
+<file path=ppt/slides/slide8.xml><?xml version="1.0" encoding="utf-8"?>
+<p:sld xmlns:a="http://schemas.openxmlformats.org/drawingml/2006/main" xmlns:r="http://schemas.openxmlformats.org/officeDocument/2006/relationships" xmlns:p="http://schemas.openxmlformats.org/presentationml/2006/main">
+  <p:cSld>
+    <p:spTree>
+      <p:nvGrpSpPr>
+        <p:cNvPr id="1" name=""/>
+        <p:cNvGrpSpPr/>
+        <p:nvPr/>
+      </p:nvGrpSpPr>
+      <p:grpSpPr>
+        <a:xfrm>
+          <a:off x="0" y="0"/>
+          <a:ext cx="0" cy="0"/>
+          <a:chOff x="0" y="0"/>
+          <a:chExt cx="0" cy="0"/>
+        </a:xfrm>
+      </p:grpSpPr>
+      <p:sp>
+        <p:nvSpPr>
+          <p:cNvPr id="2" name="Titre 1"/>
+          <p:cNvSpPr>
+            <a:spLocks noGrp="1"/>
+          </p:cNvSpPr>
+          <p:nvPr>
+            <p:ph type="title"/>
+          </p:nvPr>
+        </p:nvSpPr>
+        <p:spPr/>
+        <p:txBody>
+          <a:bodyPr>
+            <a:normAutofit/>
+          </a:bodyPr>
+          <a:lstStyle/>
+          <a:p>
+            <a:r>
+              <a:rPr lang="fr-FR" sz="4000" b="1" u="sng" dirty="0" smtClean="0">
+                <a:effectLst>
+                  <a:outerShdw blurRad="38100" dist="38100" dir="2700000" algn="tl">
+                    <a:srgbClr val="000000">
+                      <a:alpha val="43137"/>
+                    </a:srgbClr>
+                  </a:outerShdw>
+                </a:effectLst>
+              </a:rPr>
+              <a:t>E</a:t>
+            </a:r>
+            <a:r>
+              <a:rPr lang="es-419" sz="4000" b="1" u="sng" dirty="0" smtClean="0">
+                <a:effectLst>
+                  <a:outerShdw blurRad="38100" dist="38100" dir="2700000" algn="tl">
+                    <a:srgbClr val="000000">
+                      <a:alpha val="43137"/>
+                    </a:srgbClr>
+                  </a:outerShdw>
+                </a:effectLst>
+              </a:rPr>
+              <a:t>xemple int:</a:t>
+            </a:r>
+            <a:endParaRPr lang="fr-FR" sz="4000" b="1" u="sng" dirty="0">
+              <a:effectLst>
+                <a:outerShdw blurRad="38100" dist="38100" dir="2700000" algn="tl">
+                  <a:srgbClr val="000000">
+                    <a:alpha val="43137"/>
+                  </a:srgbClr>
+                </a:outerShdw>
+              </a:effectLst>
+            </a:endParaRPr>
+          </a:p>
+        </p:txBody>
+      </p:sp>
+      <p:pic>
+        <p:nvPicPr>
+          <p:cNvPr id="4" name="Espace réservé du contenu 3"/>
+          <p:cNvPicPr>
+            <a:picLocks noGrp="1" noChangeAspect="1"/>
+          </p:cNvPicPr>
+          <p:nvPr>
+            <p:ph idx="1"/>
+          </p:nvPr>
+        </p:nvPicPr>
+        <p:blipFill>
+          <a:blip r:embed="rId2">
+            <a:extLst>
+              <a:ext uri="{28A0092B-C50C-407E-A947-70E740481C1C}">
+                <a14:useLocalDpi xmlns:a14="http://schemas.microsoft.com/office/drawing/2010/main" val="0"/>
+              </a:ext>
+            </a:extLst>
+          </a:blip>
+          <a:stretch>
+            <a:fillRect/>
+          </a:stretch>
+        </p:blipFill>
+        <p:spPr>
+          <a:xfrm>
+            <a:off x="444380" y="1930400"/>
+            <a:ext cx="8829265" cy="3825006"/>
+          </a:xfrm>
+          <a:prstGeom prst="rect">
+            <a:avLst/>
+          </a:prstGeom>
+          <a:ln w="38100" cap="sq">
+            <a:solidFill>
+              <a:schemeClr val="accent1">
+                <a:lumMod val="75000"/>
+              </a:schemeClr>
+            </a:solidFill>
+            <a:prstDash val="solid"/>
+            <a:miter lim="800000"/>
+          </a:ln>
+          <a:effectLst>
+            <a:outerShdw blurRad="50800" dist="38100" dir="2700000" algn="tl" rotWithShape="0">
+              <a:srgbClr val="000000">
+                <a:alpha val="43000"/>
+              </a:srgbClr>
+            </a:outerShdw>
+          </a:effectLst>
+        </p:spPr>
+      </p:pic>
+    </p:spTree>
+    <p:extLst>
+      <p:ext uri="{BB962C8B-B14F-4D97-AF65-F5344CB8AC3E}">
+        <p14:creationId xmlns:p14="http://schemas.microsoft.com/office/powerpoint/2010/main" val="2702614728"/>
+      </p:ext>
+    </p:extLst>
+  </p:cSld>
+  <p:clrMapOvr>
+    <a:masterClrMapping/>
+  </p:clrMapOvr>
+  <p:timing>
+    <p:tnLst>
+      <p:par>
+        <p:cTn id="1" dur="indefinite" restart="never" nodeType="tmRoot"/>
+      </p:par>
+    </p:tnLst>
+  </p:timing>
+</p:sld>
+</file>
+
+<file path=ppt/slides/slide9.xml><?xml version="1.0" encoding="utf-8"?>
+<p:sld xmlns:a="http://schemas.openxmlformats.org/drawingml/2006/main" xmlns:r="http://schemas.openxmlformats.org/officeDocument/2006/relationships" xmlns:p="http://schemas.openxmlformats.org/presentationml/2006/main">
+  <p:cSld>
+    <p:spTree>
+      <p:nvGrpSpPr>
+        <p:cNvPr id="1" name=""/>
+        <p:cNvGrpSpPr/>
+        <p:nvPr/>
+      </p:nvGrpSpPr>
+      <p:grpSpPr>
+        <a:xfrm>
+          <a:off x="0" y="0"/>
+          <a:ext cx="0" cy="0"/>
+          <a:chOff x="0" y="0"/>
+          <a:chExt cx="0" cy="0"/>
+        </a:xfrm>
+      </p:grpSpPr>
+      <p:sp>
+        <p:nvSpPr>
+          <p:cNvPr id="2" name="Titre 1"/>
+          <p:cNvSpPr>
+            <a:spLocks noGrp="1"/>
+          </p:cNvSpPr>
+          <p:nvPr>
+            <p:ph type="title"/>
+          </p:nvPr>
+        </p:nvSpPr>
+        <p:spPr/>
+        <p:txBody>
+          <a:bodyPr>
+            <a:normAutofit/>
+          </a:bodyPr>
+          <a:lstStyle/>
+          <a:p>
+            <a:r>
+              <a:rPr lang="fr-FR" sz="4000" b="1" u="sng" dirty="0" smtClean="0">
+                <a:effectLst>
+                  <a:outerShdw blurRad="38100" dist="38100" dir="2700000" algn="tl">
+                    <a:srgbClr val="000000">
+                      <a:alpha val="43137"/>
+                    </a:srgbClr>
+                  </a:outerShdw>
+                </a:effectLst>
+              </a:rPr>
+              <a:t>Exemple F</a:t>
+            </a:r>
+            <a:r>
+              <a:rPr lang="es-419" sz="4000" b="1" u="sng" dirty="0" smtClean="0">
+                <a:effectLst>
+                  <a:outerShdw blurRad="38100" dist="38100" dir="2700000" algn="tl">
+                    <a:srgbClr val="000000">
+                      <a:alpha val="43137"/>
+                    </a:srgbClr>
+                  </a:outerShdw>
+                </a:effectLst>
+              </a:rPr>
+              <a:t>loat:</a:t>
+            </a:r>
+            <a:endParaRPr lang="fr-FR" sz="4000" b="1" u="sng" dirty="0">
+              <a:effectLst>
+                <a:outerShdw blurRad="38100" dist="38100" dir="2700000" algn="tl">
+                  <a:srgbClr val="000000">
+                    <a:alpha val="43137"/>
+                  </a:srgbClr>
+                </a:outerShdw>
+              </a:effectLst>
+            </a:endParaRPr>
+          </a:p>
+        </p:txBody>
+      </p:sp>
+      <p:pic>
+        <p:nvPicPr>
+          <p:cNvPr id="4" name="Espace réservé du contenu 3"/>
+          <p:cNvPicPr>
+            <a:picLocks noGrp="1" noChangeAspect="1"/>
+          </p:cNvPicPr>
+          <p:nvPr>
+            <p:ph idx="1"/>
+          </p:nvPr>
+        </p:nvPicPr>
+        <p:blipFill>
+          <a:blip r:embed="rId2">
+            <a:extLst>
+              <a:ext uri="{28A0092B-C50C-407E-A947-70E740481C1C}">
+                <a14:useLocalDpi xmlns:a14="http://schemas.microsoft.com/office/drawing/2010/main" val="0"/>
+              </a:ext>
+            </a:extLst>
+          </a:blip>
+          <a:stretch>
+            <a:fillRect/>
+          </a:stretch>
+        </p:blipFill>
+        <p:spPr>
+          <a:xfrm>
+            <a:off x="677334" y="1785121"/>
+            <a:ext cx="8596668" cy="4484192"/>
+          </a:xfrm>
+          <a:prstGeom prst="rect">
+            <a:avLst/>
+          </a:prstGeom>
+          <a:ln w="38100" cap="sq">
+            <a:solidFill>
+              <a:schemeClr val="accent1">
+                <a:lumMod val="75000"/>
+              </a:schemeClr>
+            </a:solidFill>
+            <a:prstDash val="solid"/>
+            <a:miter lim="800000"/>
+          </a:ln>
+          <a:effectLst>
+            <a:outerShdw blurRad="50800" dist="38100" dir="2700000" algn="tl" rotWithShape="0">
+              <a:srgbClr val="000000">
+                <a:alpha val="43000"/>
+              </a:srgbClr>
+            </a:outerShdw>
+          </a:effectLst>
+        </p:spPr>
+      </p:pic>
+    </p:spTree>
+    <p:extLst>
+      <p:ext uri="{BB962C8B-B14F-4D97-AF65-F5344CB8AC3E}">
+        <p14:creationId xmlns:p14="http://schemas.microsoft.com/office/powerpoint/2010/main" val="1036502790"/>
       </p:ext>
     </p:extLst>
   </p:cSld>
